--- a/ppt 16-9/1583.何等恩典.pptx
+++ b/ppt 16-9/1583.何等恩典.pptx
@@ -5,7 +5,7 @@
     <p:sldMasterId id="2147483648" r:id="rId1"/>
   </p:sldMasterIdLst>
   <p:sldIdLst>
-    <p:sldId id="3440" r:id="rId2"/>
+    <p:sldId id="3441" r:id="rId2"/>
   </p:sldIdLst>
   <p:sldSz cx="12192000" cy="6858000"/>
   <p:notesSz cx="6858000" cy="9144000"/>
@@ -129,7 +129,7 @@
           <p:cNvPr id="2" name="标题 1">
             <a:extLst>
               <a:ext uri="{FF2B5EF4-FFF2-40B4-BE49-F238E27FC236}">
-                <a16:creationId xmlns:a16="http://schemas.microsoft.com/office/drawing/2014/main" id="{73D7716F-21BE-8E96-337C-40E52A3CF15B}"/>
+                <a16:creationId xmlns:a16="http://schemas.microsoft.com/office/drawing/2014/main" id="{0E1C35B0-0551-4388-F5BD-1B076C16555E}"/>
               </a:ext>
             </a:extLst>
           </p:cNvPr>
@@ -166,7 +166,7 @@
           <p:cNvPr id="3" name="副标题 2">
             <a:extLst>
               <a:ext uri="{FF2B5EF4-FFF2-40B4-BE49-F238E27FC236}">
-                <a16:creationId xmlns:a16="http://schemas.microsoft.com/office/drawing/2014/main" id="{90190209-0487-B128-F2DB-F0EB56D16222}"/>
+                <a16:creationId xmlns:a16="http://schemas.microsoft.com/office/drawing/2014/main" id="{1364CDF2-37AE-D9DB-5B26-7C6F76BA14BE}"/>
               </a:ext>
             </a:extLst>
           </p:cNvPr>
@@ -236,7 +236,7 @@
           <p:cNvPr id="4" name="日期占位符 3">
             <a:extLst>
               <a:ext uri="{FF2B5EF4-FFF2-40B4-BE49-F238E27FC236}">
-                <a16:creationId xmlns:a16="http://schemas.microsoft.com/office/drawing/2014/main" id="{D30F1738-51BB-31F8-7CF3-EB1CAD7A0723}"/>
+                <a16:creationId xmlns:a16="http://schemas.microsoft.com/office/drawing/2014/main" id="{A39046D5-6212-F159-F804-55E969DA86FF}"/>
               </a:ext>
             </a:extLst>
           </p:cNvPr>
@@ -252,7 +252,7 @@
           <a:bodyPr/>
           <a:lstStyle/>
           <a:p>
-            <a:fld id="{EB03B9EA-6298-4EB9-B613-A786E452D8A2}" type="datetimeFigureOut">
+            <a:fld id="{D56C5C64-6A14-46EC-929E-72EFFB94B74A}" type="datetimeFigureOut">
               <a:rPr lang="zh-CN" altLang="en-US" smtClean="0"/>
               <a:t>2024/3/10</a:t>
             </a:fld>
@@ -265,7 +265,7 @@
           <p:cNvPr id="5" name="页脚占位符 4">
             <a:extLst>
               <a:ext uri="{FF2B5EF4-FFF2-40B4-BE49-F238E27FC236}">
-                <a16:creationId xmlns:a16="http://schemas.microsoft.com/office/drawing/2014/main" id="{CD9BC73C-E238-0171-5ED8-0DFA40C9EAFF}"/>
+                <a16:creationId xmlns:a16="http://schemas.microsoft.com/office/drawing/2014/main" id="{553493B4-9CD8-82FB-1464-4A78C7E6A5BA}"/>
               </a:ext>
             </a:extLst>
           </p:cNvPr>
@@ -290,7 +290,7 @@
           <p:cNvPr id="6" name="灯片编号占位符 5">
             <a:extLst>
               <a:ext uri="{FF2B5EF4-FFF2-40B4-BE49-F238E27FC236}">
-                <a16:creationId xmlns:a16="http://schemas.microsoft.com/office/drawing/2014/main" id="{46AD178F-6640-A7FD-CDAD-F17902DE6482}"/>
+                <a16:creationId xmlns:a16="http://schemas.microsoft.com/office/drawing/2014/main" id="{4B38320D-D0E0-C49E-FBAC-AC9B6BBF5117}"/>
               </a:ext>
             </a:extLst>
           </p:cNvPr>
@@ -306,7 +306,7 @@
           <a:bodyPr/>
           <a:lstStyle/>
           <a:p>
-            <a:fld id="{FEC82E9C-933C-4FB4-83BA-44FE83487D23}" type="slidenum">
+            <a:fld id="{B94D0722-25E3-4D79-BF27-2B49EEA1FF0A}" type="slidenum">
               <a:rPr lang="zh-CN" altLang="en-US" smtClean="0"/>
               <a:t>‹#›</a:t>
             </a:fld>
@@ -317,7 +317,7 @@
     </p:spTree>
     <p:extLst>
       <p:ext uri="{BB962C8B-B14F-4D97-AF65-F5344CB8AC3E}">
-        <p14:creationId xmlns:p14="http://schemas.microsoft.com/office/powerpoint/2010/main" val="4212247565"/>
+        <p14:creationId xmlns:p14="http://schemas.microsoft.com/office/powerpoint/2010/main" val="3076284009"/>
       </p:ext>
     </p:extLst>
   </p:cSld>
@@ -349,7 +349,7 @@
           <p:cNvPr id="2" name="标题 1">
             <a:extLst>
               <a:ext uri="{FF2B5EF4-FFF2-40B4-BE49-F238E27FC236}">
-                <a16:creationId xmlns:a16="http://schemas.microsoft.com/office/drawing/2014/main" id="{9591FD65-9908-615C-5617-D08F4D19F3A1}"/>
+                <a16:creationId xmlns:a16="http://schemas.microsoft.com/office/drawing/2014/main" id="{3FFCD41E-5624-03FB-745B-C18D7D1339A2}"/>
               </a:ext>
             </a:extLst>
           </p:cNvPr>
@@ -377,7 +377,7 @@
           <p:cNvPr id="3" name="竖排文字占位符 2">
             <a:extLst>
               <a:ext uri="{FF2B5EF4-FFF2-40B4-BE49-F238E27FC236}">
-                <a16:creationId xmlns:a16="http://schemas.microsoft.com/office/drawing/2014/main" id="{7F7DA295-4341-F097-9DE7-64C100E0E863}"/>
+                <a16:creationId xmlns:a16="http://schemas.microsoft.com/office/drawing/2014/main" id="{8A299969-1E62-6186-E213-0AC19D666F52}"/>
               </a:ext>
             </a:extLst>
           </p:cNvPr>
@@ -434,7 +434,7 @@
           <p:cNvPr id="4" name="日期占位符 3">
             <a:extLst>
               <a:ext uri="{FF2B5EF4-FFF2-40B4-BE49-F238E27FC236}">
-                <a16:creationId xmlns:a16="http://schemas.microsoft.com/office/drawing/2014/main" id="{45D837EE-53F0-26FB-9A5A-24ED058FB1CB}"/>
+                <a16:creationId xmlns:a16="http://schemas.microsoft.com/office/drawing/2014/main" id="{EAAAF02F-2C38-1F6B-8EF2-0CB5B080F010}"/>
               </a:ext>
             </a:extLst>
           </p:cNvPr>
@@ -450,7 +450,7 @@
           <a:bodyPr/>
           <a:lstStyle/>
           <a:p>
-            <a:fld id="{EB03B9EA-6298-4EB9-B613-A786E452D8A2}" type="datetimeFigureOut">
+            <a:fld id="{D56C5C64-6A14-46EC-929E-72EFFB94B74A}" type="datetimeFigureOut">
               <a:rPr lang="zh-CN" altLang="en-US" smtClean="0"/>
               <a:t>2024/3/10</a:t>
             </a:fld>
@@ -463,7 +463,7 @@
           <p:cNvPr id="5" name="页脚占位符 4">
             <a:extLst>
               <a:ext uri="{FF2B5EF4-FFF2-40B4-BE49-F238E27FC236}">
-                <a16:creationId xmlns:a16="http://schemas.microsoft.com/office/drawing/2014/main" id="{29F7D521-37ED-2636-0B75-2FDFA3BB89AE}"/>
+                <a16:creationId xmlns:a16="http://schemas.microsoft.com/office/drawing/2014/main" id="{0F5445F2-A4F8-A7CD-C996-5A8F24FD7380}"/>
               </a:ext>
             </a:extLst>
           </p:cNvPr>
@@ -488,7 +488,7 @@
           <p:cNvPr id="6" name="灯片编号占位符 5">
             <a:extLst>
               <a:ext uri="{FF2B5EF4-FFF2-40B4-BE49-F238E27FC236}">
-                <a16:creationId xmlns:a16="http://schemas.microsoft.com/office/drawing/2014/main" id="{1538CA7A-2825-69C7-184A-27732DFF2E49}"/>
+                <a16:creationId xmlns:a16="http://schemas.microsoft.com/office/drawing/2014/main" id="{15B16DCF-D962-CB1C-DD49-9FF1839CF21B}"/>
               </a:ext>
             </a:extLst>
           </p:cNvPr>
@@ -504,7 +504,7 @@
           <a:bodyPr/>
           <a:lstStyle/>
           <a:p>
-            <a:fld id="{FEC82E9C-933C-4FB4-83BA-44FE83487D23}" type="slidenum">
+            <a:fld id="{B94D0722-25E3-4D79-BF27-2B49EEA1FF0A}" type="slidenum">
               <a:rPr lang="zh-CN" altLang="en-US" smtClean="0"/>
               <a:t>‹#›</a:t>
             </a:fld>
@@ -515,7 +515,7 @@
     </p:spTree>
     <p:extLst>
       <p:ext uri="{BB962C8B-B14F-4D97-AF65-F5344CB8AC3E}">
-        <p14:creationId xmlns:p14="http://schemas.microsoft.com/office/powerpoint/2010/main" val="3280713688"/>
+        <p14:creationId xmlns:p14="http://schemas.microsoft.com/office/powerpoint/2010/main" val="8039961"/>
       </p:ext>
     </p:extLst>
   </p:cSld>
@@ -547,7 +547,7 @@
           <p:cNvPr id="2" name="竖排标题 1">
             <a:extLst>
               <a:ext uri="{FF2B5EF4-FFF2-40B4-BE49-F238E27FC236}">
-                <a16:creationId xmlns:a16="http://schemas.microsoft.com/office/drawing/2014/main" id="{17C9410E-0E72-0464-EE0C-ED86D1CAA500}"/>
+                <a16:creationId xmlns:a16="http://schemas.microsoft.com/office/drawing/2014/main" id="{2749E12E-B9F1-30BE-51E9-334D969D6021}"/>
               </a:ext>
             </a:extLst>
           </p:cNvPr>
@@ -580,7 +580,7 @@
           <p:cNvPr id="3" name="竖排文字占位符 2">
             <a:extLst>
               <a:ext uri="{FF2B5EF4-FFF2-40B4-BE49-F238E27FC236}">
-                <a16:creationId xmlns:a16="http://schemas.microsoft.com/office/drawing/2014/main" id="{A440E45C-3C20-10FB-20E5-FB8940A02EA8}"/>
+                <a16:creationId xmlns:a16="http://schemas.microsoft.com/office/drawing/2014/main" id="{2E03590E-D24A-9681-B661-470DD277D103}"/>
               </a:ext>
             </a:extLst>
           </p:cNvPr>
@@ -642,7 +642,7 @@
           <p:cNvPr id="4" name="日期占位符 3">
             <a:extLst>
               <a:ext uri="{FF2B5EF4-FFF2-40B4-BE49-F238E27FC236}">
-                <a16:creationId xmlns:a16="http://schemas.microsoft.com/office/drawing/2014/main" id="{DF93A569-9716-D970-2A21-0B6D436769C5}"/>
+                <a16:creationId xmlns:a16="http://schemas.microsoft.com/office/drawing/2014/main" id="{7B0B706A-2C2F-66E2-42B8-8E4B15C16C73}"/>
               </a:ext>
             </a:extLst>
           </p:cNvPr>
@@ -658,7 +658,7 @@
           <a:bodyPr/>
           <a:lstStyle/>
           <a:p>
-            <a:fld id="{EB03B9EA-6298-4EB9-B613-A786E452D8A2}" type="datetimeFigureOut">
+            <a:fld id="{D56C5C64-6A14-46EC-929E-72EFFB94B74A}" type="datetimeFigureOut">
               <a:rPr lang="zh-CN" altLang="en-US" smtClean="0"/>
               <a:t>2024/3/10</a:t>
             </a:fld>
@@ -671,7 +671,7 @@
           <p:cNvPr id="5" name="页脚占位符 4">
             <a:extLst>
               <a:ext uri="{FF2B5EF4-FFF2-40B4-BE49-F238E27FC236}">
-                <a16:creationId xmlns:a16="http://schemas.microsoft.com/office/drawing/2014/main" id="{5884608B-75D7-8544-776B-4D1A9E77D0A7}"/>
+                <a16:creationId xmlns:a16="http://schemas.microsoft.com/office/drawing/2014/main" id="{7E9820D5-388F-3B66-9265-D1767F445869}"/>
               </a:ext>
             </a:extLst>
           </p:cNvPr>
@@ -696,7 +696,7 @@
           <p:cNvPr id="6" name="灯片编号占位符 5">
             <a:extLst>
               <a:ext uri="{FF2B5EF4-FFF2-40B4-BE49-F238E27FC236}">
-                <a16:creationId xmlns:a16="http://schemas.microsoft.com/office/drawing/2014/main" id="{E971F420-FA2F-3AC7-9419-C5939446B3CA}"/>
+                <a16:creationId xmlns:a16="http://schemas.microsoft.com/office/drawing/2014/main" id="{81AA37F2-C0C6-7F27-CDDB-6A6604E928B8}"/>
               </a:ext>
             </a:extLst>
           </p:cNvPr>
@@ -712,7 +712,7 @@
           <a:bodyPr/>
           <a:lstStyle/>
           <a:p>
-            <a:fld id="{FEC82E9C-933C-4FB4-83BA-44FE83487D23}" type="slidenum">
+            <a:fld id="{B94D0722-25E3-4D79-BF27-2B49EEA1FF0A}" type="slidenum">
               <a:rPr lang="zh-CN" altLang="en-US" smtClean="0"/>
               <a:t>‹#›</a:t>
             </a:fld>
@@ -723,7 +723,7 @@
     </p:spTree>
     <p:extLst>
       <p:ext uri="{BB962C8B-B14F-4D97-AF65-F5344CB8AC3E}">
-        <p14:creationId xmlns:p14="http://schemas.microsoft.com/office/powerpoint/2010/main" val="2747857013"/>
+        <p14:creationId xmlns:p14="http://schemas.microsoft.com/office/powerpoint/2010/main" val="2421536853"/>
       </p:ext>
     </p:extLst>
   </p:cSld>
@@ -755,7 +755,7 @@
           <p:cNvPr id="2" name="标题 1">
             <a:extLst>
               <a:ext uri="{FF2B5EF4-FFF2-40B4-BE49-F238E27FC236}">
-                <a16:creationId xmlns:a16="http://schemas.microsoft.com/office/drawing/2014/main" id="{62096FF1-4D90-6B00-931B-50F33E6DE565}"/>
+                <a16:creationId xmlns:a16="http://schemas.microsoft.com/office/drawing/2014/main" id="{DB4945F4-0DAE-C18F-7F10-CE169E9BFC23}"/>
               </a:ext>
             </a:extLst>
           </p:cNvPr>
@@ -783,7 +783,7 @@
           <p:cNvPr id="3" name="内容占位符 2">
             <a:extLst>
               <a:ext uri="{FF2B5EF4-FFF2-40B4-BE49-F238E27FC236}">
-                <a16:creationId xmlns:a16="http://schemas.microsoft.com/office/drawing/2014/main" id="{B69882D1-3B49-AA5E-BA70-A67C89E7448C}"/>
+                <a16:creationId xmlns:a16="http://schemas.microsoft.com/office/drawing/2014/main" id="{44CD07B2-949C-C8F8-D23A-2EA7E01C3B5C}"/>
               </a:ext>
             </a:extLst>
           </p:cNvPr>
@@ -840,7 +840,7 @@
           <p:cNvPr id="4" name="日期占位符 3">
             <a:extLst>
               <a:ext uri="{FF2B5EF4-FFF2-40B4-BE49-F238E27FC236}">
-                <a16:creationId xmlns:a16="http://schemas.microsoft.com/office/drawing/2014/main" id="{CAF69487-F8FF-5B75-AF82-F0A003DE2E2C}"/>
+                <a16:creationId xmlns:a16="http://schemas.microsoft.com/office/drawing/2014/main" id="{B0C3D362-5E48-71AE-C95A-D2F7A357EED5}"/>
               </a:ext>
             </a:extLst>
           </p:cNvPr>
@@ -856,7 +856,7 @@
           <a:bodyPr/>
           <a:lstStyle/>
           <a:p>
-            <a:fld id="{EB03B9EA-6298-4EB9-B613-A786E452D8A2}" type="datetimeFigureOut">
+            <a:fld id="{D56C5C64-6A14-46EC-929E-72EFFB94B74A}" type="datetimeFigureOut">
               <a:rPr lang="zh-CN" altLang="en-US" smtClean="0"/>
               <a:t>2024/3/10</a:t>
             </a:fld>
@@ -869,7 +869,7 @@
           <p:cNvPr id="5" name="页脚占位符 4">
             <a:extLst>
               <a:ext uri="{FF2B5EF4-FFF2-40B4-BE49-F238E27FC236}">
-                <a16:creationId xmlns:a16="http://schemas.microsoft.com/office/drawing/2014/main" id="{59B3AA93-719E-ABBF-104B-642A98AEEF73}"/>
+                <a16:creationId xmlns:a16="http://schemas.microsoft.com/office/drawing/2014/main" id="{632FE6F6-8D77-367C-A7C8-7CAA516AC69D}"/>
               </a:ext>
             </a:extLst>
           </p:cNvPr>
@@ -894,7 +894,7 @@
           <p:cNvPr id="6" name="灯片编号占位符 5">
             <a:extLst>
               <a:ext uri="{FF2B5EF4-FFF2-40B4-BE49-F238E27FC236}">
-                <a16:creationId xmlns:a16="http://schemas.microsoft.com/office/drawing/2014/main" id="{19E1B1ED-A634-8B9D-C118-E31DC9520C45}"/>
+                <a16:creationId xmlns:a16="http://schemas.microsoft.com/office/drawing/2014/main" id="{2D0EE5A8-9162-3BD7-E2EC-63E3C17E1DA5}"/>
               </a:ext>
             </a:extLst>
           </p:cNvPr>
@@ -910,7 +910,7 @@
           <a:bodyPr/>
           <a:lstStyle/>
           <a:p>
-            <a:fld id="{FEC82E9C-933C-4FB4-83BA-44FE83487D23}" type="slidenum">
+            <a:fld id="{B94D0722-25E3-4D79-BF27-2B49EEA1FF0A}" type="slidenum">
               <a:rPr lang="zh-CN" altLang="en-US" smtClean="0"/>
               <a:t>‹#›</a:t>
             </a:fld>
@@ -921,7 +921,7 @@
     </p:spTree>
     <p:extLst>
       <p:ext uri="{BB962C8B-B14F-4D97-AF65-F5344CB8AC3E}">
-        <p14:creationId xmlns:p14="http://schemas.microsoft.com/office/powerpoint/2010/main" val="1584004209"/>
+        <p14:creationId xmlns:p14="http://schemas.microsoft.com/office/powerpoint/2010/main" val="2080911340"/>
       </p:ext>
     </p:extLst>
   </p:cSld>
@@ -953,7 +953,7 @@
           <p:cNvPr id="2" name="标题 1">
             <a:extLst>
               <a:ext uri="{FF2B5EF4-FFF2-40B4-BE49-F238E27FC236}">
-                <a16:creationId xmlns:a16="http://schemas.microsoft.com/office/drawing/2014/main" id="{C2008205-6133-1A0B-74CB-8DD340A278C6}"/>
+                <a16:creationId xmlns:a16="http://schemas.microsoft.com/office/drawing/2014/main" id="{67C34C8D-6800-2A5A-CCEE-D0AC11EC9FC2}"/>
               </a:ext>
             </a:extLst>
           </p:cNvPr>
@@ -990,7 +990,7 @@
           <p:cNvPr id="3" name="文本占位符 2">
             <a:extLst>
               <a:ext uri="{FF2B5EF4-FFF2-40B4-BE49-F238E27FC236}">
-                <a16:creationId xmlns:a16="http://schemas.microsoft.com/office/drawing/2014/main" id="{AD54CC10-03E5-8C93-54F4-02C3E962306A}"/>
+                <a16:creationId xmlns:a16="http://schemas.microsoft.com/office/drawing/2014/main" id="{FEC0B2C9-9372-2569-BD75-C169BEA0E735}"/>
               </a:ext>
             </a:extLst>
           </p:cNvPr>
@@ -1115,7 +1115,7 @@
           <p:cNvPr id="4" name="日期占位符 3">
             <a:extLst>
               <a:ext uri="{FF2B5EF4-FFF2-40B4-BE49-F238E27FC236}">
-                <a16:creationId xmlns:a16="http://schemas.microsoft.com/office/drawing/2014/main" id="{4A656E5B-0561-C0DF-22B0-09D2FDF6B13C}"/>
+                <a16:creationId xmlns:a16="http://schemas.microsoft.com/office/drawing/2014/main" id="{9274164A-D59F-90FA-31FC-443A1BF9EE48}"/>
               </a:ext>
             </a:extLst>
           </p:cNvPr>
@@ -1131,7 +1131,7 @@
           <a:bodyPr/>
           <a:lstStyle/>
           <a:p>
-            <a:fld id="{EB03B9EA-6298-4EB9-B613-A786E452D8A2}" type="datetimeFigureOut">
+            <a:fld id="{D56C5C64-6A14-46EC-929E-72EFFB94B74A}" type="datetimeFigureOut">
               <a:rPr lang="zh-CN" altLang="en-US" smtClean="0"/>
               <a:t>2024/3/10</a:t>
             </a:fld>
@@ -1144,7 +1144,7 @@
           <p:cNvPr id="5" name="页脚占位符 4">
             <a:extLst>
               <a:ext uri="{FF2B5EF4-FFF2-40B4-BE49-F238E27FC236}">
-                <a16:creationId xmlns:a16="http://schemas.microsoft.com/office/drawing/2014/main" id="{C719DE40-18D0-9901-B482-8DBA042086B3}"/>
+                <a16:creationId xmlns:a16="http://schemas.microsoft.com/office/drawing/2014/main" id="{B93F6D4B-CC0D-D462-A683-1834E0A9E7AC}"/>
               </a:ext>
             </a:extLst>
           </p:cNvPr>
@@ -1169,7 +1169,7 @@
           <p:cNvPr id="6" name="灯片编号占位符 5">
             <a:extLst>
               <a:ext uri="{FF2B5EF4-FFF2-40B4-BE49-F238E27FC236}">
-                <a16:creationId xmlns:a16="http://schemas.microsoft.com/office/drawing/2014/main" id="{D465E12F-FFD5-A42C-FB7B-2FCBCFC99264}"/>
+                <a16:creationId xmlns:a16="http://schemas.microsoft.com/office/drawing/2014/main" id="{A321FBF2-4E10-537C-E5C2-2C4406D5DDE4}"/>
               </a:ext>
             </a:extLst>
           </p:cNvPr>
@@ -1185,7 +1185,7 @@
           <a:bodyPr/>
           <a:lstStyle/>
           <a:p>
-            <a:fld id="{FEC82E9C-933C-4FB4-83BA-44FE83487D23}" type="slidenum">
+            <a:fld id="{B94D0722-25E3-4D79-BF27-2B49EEA1FF0A}" type="slidenum">
               <a:rPr lang="zh-CN" altLang="en-US" smtClean="0"/>
               <a:t>‹#›</a:t>
             </a:fld>
@@ -1196,7 +1196,7 @@
     </p:spTree>
     <p:extLst>
       <p:ext uri="{BB962C8B-B14F-4D97-AF65-F5344CB8AC3E}">
-        <p14:creationId xmlns:p14="http://schemas.microsoft.com/office/powerpoint/2010/main" val="2013395973"/>
+        <p14:creationId xmlns:p14="http://schemas.microsoft.com/office/powerpoint/2010/main" val="3389613662"/>
       </p:ext>
     </p:extLst>
   </p:cSld>
@@ -1228,7 +1228,7 @@
           <p:cNvPr id="2" name="标题 1">
             <a:extLst>
               <a:ext uri="{FF2B5EF4-FFF2-40B4-BE49-F238E27FC236}">
-                <a16:creationId xmlns:a16="http://schemas.microsoft.com/office/drawing/2014/main" id="{2AFB656C-AAAF-AAF2-2DDB-70DC9B3E478F}"/>
+                <a16:creationId xmlns:a16="http://schemas.microsoft.com/office/drawing/2014/main" id="{082E3710-AA7A-3CDF-5F14-19742B5A5867}"/>
               </a:ext>
             </a:extLst>
           </p:cNvPr>
@@ -1256,7 +1256,7 @@
           <p:cNvPr id="3" name="内容占位符 2">
             <a:extLst>
               <a:ext uri="{FF2B5EF4-FFF2-40B4-BE49-F238E27FC236}">
-                <a16:creationId xmlns:a16="http://schemas.microsoft.com/office/drawing/2014/main" id="{39A2F6D8-9FA9-46D0-1CF8-84B6D3F86F56}"/>
+                <a16:creationId xmlns:a16="http://schemas.microsoft.com/office/drawing/2014/main" id="{F1CAA5E9-0DBD-3664-502B-8098C834A45F}"/>
               </a:ext>
             </a:extLst>
           </p:cNvPr>
@@ -1318,7 +1318,7 @@
           <p:cNvPr id="4" name="内容占位符 3">
             <a:extLst>
               <a:ext uri="{FF2B5EF4-FFF2-40B4-BE49-F238E27FC236}">
-                <a16:creationId xmlns:a16="http://schemas.microsoft.com/office/drawing/2014/main" id="{67B641C0-283F-0F44-06B8-E2539B72562E}"/>
+                <a16:creationId xmlns:a16="http://schemas.microsoft.com/office/drawing/2014/main" id="{7FEE9678-837E-1073-E8C6-02E4E2245A0B}"/>
               </a:ext>
             </a:extLst>
           </p:cNvPr>
@@ -1380,7 +1380,7 @@
           <p:cNvPr id="5" name="日期占位符 4">
             <a:extLst>
               <a:ext uri="{FF2B5EF4-FFF2-40B4-BE49-F238E27FC236}">
-                <a16:creationId xmlns:a16="http://schemas.microsoft.com/office/drawing/2014/main" id="{C93871E4-9960-9F08-18F3-0BF4CE0B6A44}"/>
+                <a16:creationId xmlns:a16="http://schemas.microsoft.com/office/drawing/2014/main" id="{EDC6FAE7-A5F2-EA8E-D503-CC0D0E21DA09}"/>
               </a:ext>
             </a:extLst>
           </p:cNvPr>
@@ -1396,7 +1396,7 @@
           <a:bodyPr/>
           <a:lstStyle/>
           <a:p>
-            <a:fld id="{EB03B9EA-6298-4EB9-B613-A786E452D8A2}" type="datetimeFigureOut">
+            <a:fld id="{D56C5C64-6A14-46EC-929E-72EFFB94B74A}" type="datetimeFigureOut">
               <a:rPr lang="zh-CN" altLang="en-US" smtClean="0"/>
               <a:t>2024/3/10</a:t>
             </a:fld>
@@ -1409,7 +1409,7 @@
           <p:cNvPr id="6" name="页脚占位符 5">
             <a:extLst>
               <a:ext uri="{FF2B5EF4-FFF2-40B4-BE49-F238E27FC236}">
-                <a16:creationId xmlns:a16="http://schemas.microsoft.com/office/drawing/2014/main" id="{6BE51377-9882-5EB6-1FFE-717A5D38CA42}"/>
+                <a16:creationId xmlns:a16="http://schemas.microsoft.com/office/drawing/2014/main" id="{D6BDD186-B8AD-65D0-93D7-82FA04C6CBE6}"/>
               </a:ext>
             </a:extLst>
           </p:cNvPr>
@@ -1434,7 +1434,7 @@
           <p:cNvPr id="7" name="灯片编号占位符 6">
             <a:extLst>
               <a:ext uri="{FF2B5EF4-FFF2-40B4-BE49-F238E27FC236}">
-                <a16:creationId xmlns:a16="http://schemas.microsoft.com/office/drawing/2014/main" id="{9D986AFB-F426-F9F3-3C85-A392C052B670}"/>
+                <a16:creationId xmlns:a16="http://schemas.microsoft.com/office/drawing/2014/main" id="{B5B25553-862E-5E73-D12C-566D54EC02B7}"/>
               </a:ext>
             </a:extLst>
           </p:cNvPr>
@@ -1450,7 +1450,7 @@
           <a:bodyPr/>
           <a:lstStyle/>
           <a:p>
-            <a:fld id="{FEC82E9C-933C-4FB4-83BA-44FE83487D23}" type="slidenum">
+            <a:fld id="{B94D0722-25E3-4D79-BF27-2B49EEA1FF0A}" type="slidenum">
               <a:rPr lang="zh-CN" altLang="en-US" smtClean="0"/>
               <a:t>‹#›</a:t>
             </a:fld>
@@ -1461,7 +1461,7 @@
     </p:spTree>
     <p:extLst>
       <p:ext uri="{BB962C8B-B14F-4D97-AF65-F5344CB8AC3E}">
-        <p14:creationId xmlns:p14="http://schemas.microsoft.com/office/powerpoint/2010/main" val="2803042127"/>
+        <p14:creationId xmlns:p14="http://schemas.microsoft.com/office/powerpoint/2010/main" val="2714145163"/>
       </p:ext>
     </p:extLst>
   </p:cSld>
@@ -1493,7 +1493,7 @@
           <p:cNvPr id="2" name="标题 1">
             <a:extLst>
               <a:ext uri="{FF2B5EF4-FFF2-40B4-BE49-F238E27FC236}">
-                <a16:creationId xmlns:a16="http://schemas.microsoft.com/office/drawing/2014/main" id="{A90C5ACC-F524-D18F-26CB-9D7082B1FC10}"/>
+                <a16:creationId xmlns:a16="http://schemas.microsoft.com/office/drawing/2014/main" id="{B5A158C7-BD7C-F31A-D1D6-FC2638C3B4CD}"/>
               </a:ext>
             </a:extLst>
           </p:cNvPr>
@@ -1526,7 +1526,7 @@
           <p:cNvPr id="3" name="文本占位符 2">
             <a:extLst>
               <a:ext uri="{FF2B5EF4-FFF2-40B4-BE49-F238E27FC236}">
-                <a16:creationId xmlns:a16="http://schemas.microsoft.com/office/drawing/2014/main" id="{CE460DC3-1A1F-50CA-0BD7-667F1395FF6C}"/>
+                <a16:creationId xmlns:a16="http://schemas.microsoft.com/office/drawing/2014/main" id="{96357CAA-5C8E-8ED2-BCC7-BDC38F4B99B4}"/>
               </a:ext>
             </a:extLst>
           </p:cNvPr>
@@ -1597,7 +1597,7 @@
           <p:cNvPr id="4" name="内容占位符 3">
             <a:extLst>
               <a:ext uri="{FF2B5EF4-FFF2-40B4-BE49-F238E27FC236}">
-                <a16:creationId xmlns:a16="http://schemas.microsoft.com/office/drawing/2014/main" id="{C91AB167-EED1-B8A9-0099-069AF48E0D77}"/>
+                <a16:creationId xmlns:a16="http://schemas.microsoft.com/office/drawing/2014/main" id="{322426D0-3427-6414-E78E-5B40B4544DF5}"/>
               </a:ext>
             </a:extLst>
           </p:cNvPr>
@@ -1659,7 +1659,7 @@
           <p:cNvPr id="5" name="文本占位符 4">
             <a:extLst>
               <a:ext uri="{FF2B5EF4-FFF2-40B4-BE49-F238E27FC236}">
-                <a16:creationId xmlns:a16="http://schemas.microsoft.com/office/drawing/2014/main" id="{1FBE5ABC-F597-E2F1-F7B4-BAE27ECC0BFD}"/>
+                <a16:creationId xmlns:a16="http://schemas.microsoft.com/office/drawing/2014/main" id="{523B25E2-31BE-12EB-D338-78C093255D06}"/>
               </a:ext>
             </a:extLst>
           </p:cNvPr>
@@ -1730,7 +1730,7 @@
           <p:cNvPr id="6" name="内容占位符 5">
             <a:extLst>
               <a:ext uri="{FF2B5EF4-FFF2-40B4-BE49-F238E27FC236}">
-                <a16:creationId xmlns:a16="http://schemas.microsoft.com/office/drawing/2014/main" id="{B217DD4A-D596-36BB-311E-D6BCECB82E40}"/>
+                <a16:creationId xmlns:a16="http://schemas.microsoft.com/office/drawing/2014/main" id="{E3031F5C-BFE1-DE4B-204C-90751D19D503}"/>
               </a:ext>
             </a:extLst>
           </p:cNvPr>
@@ -1792,7 +1792,7 @@
           <p:cNvPr id="7" name="日期占位符 6">
             <a:extLst>
               <a:ext uri="{FF2B5EF4-FFF2-40B4-BE49-F238E27FC236}">
-                <a16:creationId xmlns:a16="http://schemas.microsoft.com/office/drawing/2014/main" id="{45862FA1-2438-7318-8771-F2B144B85142}"/>
+                <a16:creationId xmlns:a16="http://schemas.microsoft.com/office/drawing/2014/main" id="{FC236A1D-D531-89F4-06F1-CC05B91E20F6}"/>
               </a:ext>
             </a:extLst>
           </p:cNvPr>
@@ -1808,7 +1808,7 @@
           <a:bodyPr/>
           <a:lstStyle/>
           <a:p>
-            <a:fld id="{EB03B9EA-6298-4EB9-B613-A786E452D8A2}" type="datetimeFigureOut">
+            <a:fld id="{D56C5C64-6A14-46EC-929E-72EFFB94B74A}" type="datetimeFigureOut">
               <a:rPr lang="zh-CN" altLang="en-US" smtClean="0"/>
               <a:t>2024/3/10</a:t>
             </a:fld>
@@ -1821,7 +1821,7 @@
           <p:cNvPr id="8" name="页脚占位符 7">
             <a:extLst>
               <a:ext uri="{FF2B5EF4-FFF2-40B4-BE49-F238E27FC236}">
-                <a16:creationId xmlns:a16="http://schemas.microsoft.com/office/drawing/2014/main" id="{BCB6BCA9-D79C-1E93-DF82-6AFC2867AE77}"/>
+                <a16:creationId xmlns:a16="http://schemas.microsoft.com/office/drawing/2014/main" id="{9CC6376C-2FAB-E00A-31FE-180297EDCB05}"/>
               </a:ext>
             </a:extLst>
           </p:cNvPr>
@@ -1846,7 +1846,7 @@
           <p:cNvPr id="9" name="灯片编号占位符 8">
             <a:extLst>
               <a:ext uri="{FF2B5EF4-FFF2-40B4-BE49-F238E27FC236}">
-                <a16:creationId xmlns:a16="http://schemas.microsoft.com/office/drawing/2014/main" id="{F7939359-3AA4-E70E-48E1-C095B58F4317}"/>
+                <a16:creationId xmlns:a16="http://schemas.microsoft.com/office/drawing/2014/main" id="{D83E8E7F-C22F-8CA4-F435-4707C4409AFB}"/>
               </a:ext>
             </a:extLst>
           </p:cNvPr>
@@ -1862,7 +1862,7 @@
           <a:bodyPr/>
           <a:lstStyle/>
           <a:p>
-            <a:fld id="{FEC82E9C-933C-4FB4-83BA-44FE83487D23}" type="slidenum">
+            <a:fld id="{B94D0722-25E3-4D79-BF27-2B49EEA1FF0A}" type="slidenum">
               <a:rPr lang="zh-CN" altLang="en-US" smtClean="0"/>
               <a:t>‹#›</a:t>
             </a:fld>
@@ -1873,7 +1873,7 @@
     </p:spTree>
     <p:extLst>
       <p:ext uri="{BB962C8B-B14F-4D97-AF65-F5344CB8AC3E}">
-        <p14:creationId xmlns:p14="http://schemas.microsoft.com/office/powerpoint/2010/main" val="2733468419"/>
+        <p14:creationId xmlns:p14="http://schemas.microsoft.com/office/powerpoint/2010/main" val="3789908754"/>
       </p:ext>
     </p:extLst>
   </p:cSld>
@@ -1905,7 +1905,7 @@
           <p:cNvPr id="2" name="标题 1">
             <a:extLst>
               <a:ext uri="{FF2B5EF4-FFF2-40B4-BE49-F238E27FC236}">
-                <a16:creationId xmlns:a16="http://schemas.microsoft.com/office/drawing/2014/main" id="{4BCF593F-ACB0-FE2D-4571-AD4F01BB2D8F}"/>
+                <a16:creationId xmlns:a16="http://schemas.microsoft.com/office/drawing/2014/main" id="{22CFDC9B-D630-80DD-B0A1-8433F6657731}"/>
               </a:ext>
             </a:extLst>
           </p:cNvPr>
@@ -1933,7 +1933,7 @@
           <p:cNvPr id="3" name="日期占位符 2">
             <a:extLst>
               <a:ext uri="{FF2B5EF4-FFF2-40B4-BE49-F238E27FC236}">
-                <a16:creationId xmlns:a16="http://schemas.microsoft.com/office/drawing/2014/main" id="{7B6F828B-C66B-BC0B-7537-0EB46583D729}"/>
+                <a16:creationId xmlns:a16="http://schemas.microsoft.com/office/drawing/2014/main" id="{FCD92CAE-FFB0-B2CA-A7E4-2396B96DD51D}"/>
               </a:ext>
             </a:extLst>
           </p:cNvPr>
@@ -1949,7 +1949,7 @@
           <a:bodyPr/>
           <a:lstStyle/>
           <a:p>
-            <a:fld id="{EB03B9EA-6298-4EB9-B613-A786E452D8A2}" type="datetimeFigureOut">
+            <a:fld id="{D56C5C64-6A14-46EC-929E-72EFFB94B74A}" type="datetimeFigureOut">
               <a:rPr lang="zh-CN" altLang="en-US" smtClean="0"/>
               <a:t>2024/3/10</a:t>
             </a:fld>
@@ -1962,7 +1962,7 @@
           <p:cNvPr id="4" name="页脚占位符 3">
             <a:extLst>
               <a:ext uri="{FF2B5EF4-FFF2-40B4-BE49-F238E27FC236}">
-                <a16:creationId xmlns:a16="http://schemas.microsoft.com/office/drawing/2014/main" id="{C65F29FD-423E-D5BE-5D79-0C36BDDEFFD0}"/>
+                <a16:creationId xmlns:a16="http://schemas.microsoft.com/office/drawing/2014/main" id="{2B5C5B79-4FE7-5A7E-5FE5-BFC7D431B910}"/>
               </a:ext>
             </a:extLst>
           </p:cNvPr>
@@ -1987,7 +1987,7 @@
           <p:cNvPr id="5" name="灯片编号占位符 4">
             <a:extLst>
               <a:ext uri="{FF2B5EF4-FFF2-40B4-BE49-F238E27FC236}">
-                <a16:creationId xmlns:a16="http://schemas.microsoft.com/office/drawing/2014/main" id="{140FFD64-0140-DAE0-069F-74CDD96DF903}"/>
+                <a16:creationId xmlns:a16="http://schemas.microsoft.com/office/drawing/2014/main" id="{0B903ADE-7A45-52C0-E0AD-302946FCD145}"/>
               </a:ext>
             </a:extLst>
           </p:cNvPr>
@@ -2003,7 +2003,7 @@
           <a:bodyPr/>
           <a:lstStyle/>
           <a:p>
-            <a:fld id="{FEC82E9C-933C-4FB4-83BA-44FE83487D23}" type="slidenum">
+            <a:fld id="{B94D0722-25E3-4D79-BF27-2B49EEA1FF0A}" type="slidenum">
               <a:rPr lang="zh-CN" altLang="en-US" smtClean="0"/>
               <a:t>‹#›</a:t>
             </a:fld>
@@ -2014,7 +2014,7 @@
     </p:spTree>
     <p:extLst>
       <p:ext uri="{BB962C8B-B14F-4D97-AF65-F5344CB8AC3E}">
-        <p14:creationId xmlns:p14="http://schemas.microsoft.com/office/powerpoint/2010/main" val="2035948659"/>
+        <p14:creationId xmlns:p14="http://schemas.microsoft.com/office/powerpoint/2010/main" val="603394176"/>
       </p:ext>
     </p:extLst>
   </p:cSld>
@@ -2046,7 +2046,7 @@
           <p:cNvPr id="2" name="日期占位符 1">
             <a:extLst>
               <a:ext uri="{FF2B5EF4-FFF2-40B4-BE49-F238E27FC236}">
-                <a16:creationId xmlns:a16="http://schemas.microsoft.com/office/drawing/2014/main" id="{B7782E50-E80B-0B35-9DCB-BBDC911D21DD}"/>
+                <a16:creationId xmlns:a16="http://schemas.microsoft.com/office/drawing/2014/main" id="{6A1F0144-81D2-D561-D7E7-097D36E6646C}"/>
               </a:ext>
             </a:extLst>
           </p:cNvPr>
@@ -2062,7 +2062,7 @@
           <a:bodyPr/>
           <a:lstStyle/>
           <a:p>
-            <a:fld id="{EB03B9EA-6298-4EB9-B613-A786E452D8A2}" type="datetimeFigureOut">
+            <a:fld id="{D56C5C64-6A14-46EC-929E-72EFFB94B74A}" type="datetimeFigureOut">
               <a:rPr lang="zh-CN" altLang="en-US" smtClean="0"/>
               <a:t>2024/3/10</a:t>
             </a:fld>
@@ -2075,7 +2075,7 @@
           <p:cNvPr id="3" name="页脚占位符 2">
             <a:extLst>
               <a:ext uri="{FF2B5EF4-FFF2-40B4-BE49-F238E27FC236}">
-                <a16:creationId xmlns:a16="http://schemas.microsoft.com/office/drawing/2014/main" id="{0ADBA9D5-A325-2D93-A14C-69C915476C20}"/>
+                <a16:creationId xmlns:a16="http://schemas.microsoft.com/office/drawing/2014/main" id="{9A350EDE-AE8C-DF6E-0A43-DF8527FBE4F9}"/>
               </a:ext>
             </a:extLst>
           </p:cNvPr>
@@ -2100,7 +2100,7 @@
           <p:cNvPr id="4" name="灯片编号占位符 3">
             <a:extLst>
               <a:ext uri="{FF2B5EF4-FFF2-40B4-BE49-F238E27FC236}">
-                <a16:creationId xmlns:a16="http://schemas.microsoft.com/office/drawing/2014/main" id="{3D322DCE-C735-9866-2E63-5CB0BA85A980}"/>
+                <a16:creationId xmlns:a16="http://schemas.microsoft.com/office/drawing/2014/main" id="{749D9185-394E-F83D-0BA5-2BD135591774}"/>
               </a:ext>
             </a:extLst>
           </p:cNvPr>
@@ -2116,7 +2116,7 @@
           <a:bodyPr/>
           <a:lstStyle/>
           <a:p>
-            <a:fld id="{FEC82E9C-933C-4FB4-83BA-44FE83487D23}" type="slidenum">
+            <a:fld id="{B94D0722-25E3-4D79-BF27-2B49EEA1FF0A}" type="slidenum">
               <a:rPr lang="zh-CN" altLang="en-US" smtClean="0"/>
               <a:t>‹#›</a:t>
             </a:fld>
@@ -2127,7 +2127,7 @@
     </p:spTree>
     <p:extLst>
       <p:ext uri="{BB962C8B-B14F-4D97-AF65-F5344CB8AC3E}">
-        <p14:creationId xmlns:p14="http://schemas.microsoft.com/office/powerpoint/2010/main" val="911665167"/>
+        <p14:creationId xmlns:p14="http://schemas.microsoft.com/office/powerpoint/2010/main" val="865002707"/>
       </p:ext>
     </p:extLst>
   </p:cSld>
@@ -2159,7 +2159,7 @@
           <p:cNvPr id="2" name="标题 1">
             <a:extLst>
               <a:ext uri="{FF2B5EF4-FFF2-40B4-BE49-F238E27FC236}">
-                <a16:creationId xmlns:a16="http://schemas.microsoft.com/office/drawing/2014/main" id="{0A257DAB-7B29-85EC-FED2-AECC4E8A6831}"/>
+                <a16:creationId xmlns:a16="http://schemas.microsoft.com/office/drawing/2014/main" id="{106049C7-870C-B696-2266-E07397B5B163}"/>
               </a:ext>
             </a:extLst>
           </p:cNvPr>
@@ -2196,7 +2196,7 @@
           <p:cNvPr id="3" name="内容占位符 2">
             <a:extLst>
               <a:ext uri="{FF2B5EF4-FFF2-40B4-BE49-F238E27FC236}">
-                <a16:creationId xmlns:a16="http://schemas.microsoft.com/office/drawing/2014/main" id="{81290B92-8687-BBC3-FF2D-1DED820B61FA}"/>
+                <a16:creationId xmlns:a16="http://schemas.microsoft.com/office/drawing/2014/main" id="{370BA9D9-F290-1DC2-33C8-DAE16643165D}"/>
               </a:ext>
             </a:extLst>
           </p:cNvPr>
@@ -2286,7 +2286,7 @@
           <p:cNvPr id="4" name="文本占位符 3">
             <a:extLst>
               <a:ext uri="{FF2B5EF4-FFF2-40B4-BE49-F238E27FC236}">
-                <a16:creationId xmlns:a16="http://schemas.microsoft.com/office/drawing/2014/main" id="{A5C58CED-2D86-B18B-BC4C-655EF7A001F3}"/>
+                <a16:creationId xmlns:a16="http://schemas.microsoft.com/office/drawing/2014/main" id="{1404038A-345F-6A3E-1579-4B7482D186B7}"/>
               </a:ext>
             </a:extLst>
           </p:cNvPr>
@@ -2357,7 +2357,7 @@
           <p:cNvPr id="5" name="日期占位符 4">
             <a:extLst>
               <a:ext uri="{FF2B5EF4-FFF2-40B4-BE49-F238E27FC236}">
-                <a16:creationId xmlns:a16="http://schemas.microsoft.com/office/drawing/2014/main" id="{C53578A3-A322-4BBC-5930-DE92DAB4BF98}"/>
+                <a16:creationId xmlns:a16="http://schemas.microsoft.com/office/drawing/2014/main" id="{C6C2D08F-3BD6-B4BC-97D9-38135C508BC7}"/>
               </a:ext>
             </a:extLst>
           </p:cNvPr>
@@ -2373,7 +2373,7 @@
           <a:bodyPr/>
           <a:lstStyle/>
           <a:p>
-            <a:fld id="{EB03B9EA-6298-4EB9-B613-A786E452D8A2}" type="datetimeFigureOut">
+            <a:fld id="{D56C5C64-6A14-46EC-929E-72EFFB94B74A}" type="datetimeFigureOut">
               <a:rPr lang="zh-CN" altLang="en-US" smtClean="0"/>
               <a:t>2024/3/10</a:t>
             </a:fld>
@@ -2386,7 +2386,7 @@
           <p:cNvPr id="6" name="页脚占位符 5">
             <a:extLst>
               <a:ext uri="{FF2B5EF4-FFF2-40B4-BE49-F238E27FC236}">
-                <a16:creationId xmlns:a16="http://schemas.microsoft.com/office/drawing/2014/main" id="{27113DBE-93AA-9F57-4DC8-10D2F44550CF}"/>
+                <a16:creationId xmlns:a16="http://schemas.microsoft.com/office/drawing/2014/main" id="{DF6DF8A5-118F-16D6-41AD-A8626E0E6389}"/>
               </a:ext>
             </a:extLst>
           </p:cNvPr>
@@ -2411,7 +2411,7 @@
           <p:cNvPr id="7" name="灯片编号占位符 6">
             <a:extLst>
               <a:ext uri="{FF2B5EF4-FFF2-40B4-BE49-F238E27FC236}">
-                <a16:creationId xmlns:a16="http://schemas.microsoft.com/office/drawing/2014/main" id="{FC7160E9-42F1-98CC-C00E-1BA5FB16A136}"/>
+                <a16:creationId xmlns:a16="http://schemas.microsoft.com/office/drawing/2014/main" id="{4370AAD3-AD85-CA99-1BCE-7EEA6DD3CC5B}"/>
               </a:ext>
             </a:extLst>
           </p:cNvPr>
@@ -2427,7 +2427,7 @@
           <a:bodyPr/>
           <a:lstStyle/>
           <a:p>
-            <a:fld id="{FEC82E9C-933C-4FB4-83BA-44FE83487D23}" type="slidenum">
+            <a:fld id="{B94D0722-25E3-4D79-BF27-2B49EEA1FF0A}" type="slidenum">
               <a:rPr lang="zh-CN" altLang="en-US" smtClean="0"/>
               <a:t>‹#›</a:t>
             </a:fld>
@@ -2438,7 +2438,7 @@
     </p:spTree>
     <p:extLst>
       <p:ext uri="{BB962C8B-B14F-4D97-AF65-F5344CB8AC3E}">
-        <p14:creationId xmlns:p14="http://schemas.microsoft.com/office/powerpoint/2010/main" val="3458219016"/>
+        <p14:creationId xmlns:p14="http://schemas.microsoft.com/office/powerpoint/2010/main" val="138221472"/>
       </p:ext>
     </p:extLst>
   </p:cSld>
@@ -2470,7 +2470,7 @@
           <p:cNvPr id="2" name="标题 1">
             <a:extLst>
               <a:ext uri="{FF2B5EF4-FFF2-40B4-BE49-F238E27FC236}">
-                <a16:creationId xmlns:a16="http://schemas.microsoft.com/office/drawing/2014/main" id="{C2D571AE-11B9-C24A-B76C-0BB6290C9F0C}"/>
+                <a16:creationId xmlns:a16="http://schemas.microsoft.com/office/drawing/2014/main" id="{DA7FB540-4B07-9D60-CAB8-D6AA7D810087}"/>
               </a:ext>
             </a:extLst>
           </p:cNvPr>
@@ -2507,7 +2507,7 @@
           <p:cNvPr id="3" name="图片占位符 2">
             <a:extLst>
               <a:ext uri="{FF2B5EF4-FFF2-40B4-BE49-F238E27FC236}">
-                <a16:creationId xmlns:a16="http://schemas.microsoft.com/office/drawing/2014/main" id="{2285CD9A-7751-8FA4-7DF5-58C56C1FE71E}"/>
+                <a16:creationId xmlns:a16="http://schemas.microsoft.com/office/drawing/2014/main" id="{CE48D577-6944-5D5B-7C00-2ECD80A3F442}"/>
               </a:ext>
             </a:extLst>
           </p:cNvPr>
@@ -2574,7 +2574,7 @@
           <p:cNvPr id="4" name="文本占位符 3">
             <a:extLst>
               <a:ext uri="{FF2B5EF4-FFF2-40B4-BE49-F238E27FC236}">
-                <a16:creationId xmlns:a16="http://schemas.microsoft.com/office/drawing/2014/main" id="{DE142EE4-37BC-8EB2-9F02-64A29AF98A52}"/>
+                <a16:creationId xmlns:a16="http://schemas.microsoft.com/office/drawing/2014/main" id="{7F8D2BEA-2DA3-EE9C-22EE-F37B07873D95}"/>
               </a:ext>
             </a:extLst>
           </p:cNvPr>
@@ -2645,7 +2645,7 @@
           <p:cNvPr id="5" name="日期占位符 4">
             <a:extLst>
               <a:ext uri="{FF2B5EF4-FFF2-40B4-BE49-F238E27FC236}">
-                <a16:creationId xmlns:a16="http://schemas.microsoft.com/office/drawing/2014/main" id="{341C2AA5-6BCC-580F-0622-4FC35A1B67BC}"/>
+                <a16:creationId xmlns:a16="http://schemas.microsoft.com/office/drawing/2014/main" id="{2FFBD23E-6947-951B-CFAA-CABB8BC22FDB}"/>
               </a:ext>
             </a:extLst>
           </p:cNvPr>
@@ -2661,7 +2661,7 @@
           <a:bodyPr/>
           <a:lstStyle/>
           <a:p>
-            <a:fld id="{EB03B9EA-6298-4EB9-B613-A786E452D8A2}" type="datetimeFigureOut">
+            <a:fld id="{D56C5C64-6A14-46EC-929E-72EFFB94B74A}" type="datetimeFigureOut">
               <a:rPr lang="zh-CN" altLang="en-US" smtClean="0"/>
               <a:t>2024/3/10</a:t>
             </a:fld>
@@ -2674,7 +2674,7 @@
           <p:cNvPr id="6" name="页脚占位符 5">
             <a:extLst>
               <a:ext uri="{FF2B5EF4-FFF2-40B4-BE49-F238E27FC236}">
-                <a16:creationId xmlns:a16="http://schemas.microsoft.com/office/drawing/2014/main" id="{6F794C6E-EF3D-8C6B-3989-A0EAEBAA4A4D}"/>
+                <a16:creationId xmlns:a16="http://schemas.microsoft.com/office/drawing/2014/main" id="{77559B22-4AED-5F8D-8240-9E1672F3E97D}"/>
               </a:ext>
             </a:extLst>
           </p:cNvPr>
@@ -2699,7 +2699,7 @@
           <p:cNvPr id="7" name="灯片编号占位符 6">
             <a:extLst>
               <a:ext uri="{FF2B5EF4-FFF2-40B4-BE49-F238E27FC236}">
-                <a16:creationId xmlns:a16="http://schemas.microsoft.com/office/drawing/2014/main" id="{5502BB5B-EE29-A22D-E71E-BE6CF369DBAD}"/>
+                <a16:creationId xmlns:a16="http://schemas.microsoft.com/office/drawing/2014/main" id="{88702B85-FBCC-A81A-2FB5-7B65DA952FBF}"/>
               </a:ext>
             </a:extLst>
           </p:cNvPr>
@@ -2715,7 +2715,7 @@
           <a:bodyPr/>
           <a:lstStyle/>
           <a:p>
-            <a:fld id="{FEC82E9C-933C-4FB4-83BA-44FE83487D23}" type="slidenum">
+            <a:fld id="{B94D0722-25E3-4D79-BF27-2B49EEA1FF0A}" type="slidenum">
               <a:rPr lang="zh-CN" altLang="en-US" smtClean="0"/>
               <a:t>‹#›</a:t>
             </a:fld>
@@ -2726,7 +2726,7 @@
     </p:spTree>
     <p:extLst>
       <p:ext uri="{BB962C8B-B14F-4D97-AF65-F5344CB8AC3E}">
-        <p14:creationId xmlns:p14="http://schemas.microsoft.com/office/powerpoint/2010/main" val="1273752365"/>
+        <p14:creationId xmlns:p14="http://schemas.microsoft.com/office/powerpoint/2010/main" val="3707230590"/>
       </p:ext>
     </p:extLst>
   </p:cSld>
@@ -2763,7 +2763,7 @@
           <p:cNvPr id="2" name="标题占位符 1">
             <a:extLst>
               <a:ext uri="{FF2B5EF4-FFF2-40B4-BE49-F238E27FC236}">
-                <a16:creationId xmlns:a16="http://schemas.microsoft.com/office/drawing/2014/main" id="{B4211733-5E08-035B-D8AA-EABBE5D987F4}"/>
+                <a16:creationId xmlns:a16="http://schemas.microsoft.com/office/drawing/2014/main" id="{29515093-E8EC-AC15-458D-0ABE8F232F5B}"/>
               </a:ext>
             </a:extLst>
           </p:cNvPr>
@@ -2801,7 +2801,7 @@
           <p:cNvPr id="3" name="文本占位符 2">
             <a:extLst>
               <a:ext uri="{FF2B5EF4-FFF2-40B4-BE49-F238E27FC236}">
-                <a16:creationId xmlns:a16="http://schemas.microsoft.com/office/drawing/2014/main" id="{6ACD7C20-58B8-C158-B6E1-DF475EC90192}"/>
+                <a16:creationId xmlns:a16="http://schemas.microsoft.com/office/drawing/2014/main" id="{146009C1-A4AB-8139-E8B0-ED45080F87E7}"/>
               </a:ext>
             </a:extLst>
           </p:cNvPr>
@@ -2868,7 +2868,7 @@
           <p:cNvPr id="4" name="日期占位符 3">
             <a:extLst>
               <a:ext uri="{FF2B5EF4-FFF2-40B4-BE49-F238E27FC236}">
-                <a16:creationId xmlns:a16="http://schemas.microsoft.com/office/drawing/2014/main" id="{335E7CB5-BAA8-651B-CFD5-93C80D35C1F8}"/>
+                <a16:creationId xmlns:a16="http://schemas.microsoft.com/office/drawing/2014/main" id="{79401F2C-43BB-AAB5-D0EF-A37879AA04AC}"/>
               </a:ext>
             </a:extLst>
           </p:cNvPr>
@@ -2902,7 +2902,7 @@
             </a:lvl1pPr>
           </a:lstStyle>
           <a:p>
-            <a:fld id="{EB03B9EA-6298-4EB9-B613-A786E452D8A2}" type="datetimeFigureOut">
+            <a:fld id="{D56C5C64-6A14-46EC-929E-72EFFB94B74A}" type="datetimeFigureOut">
               <a:rPr lang="zh-CN" altLang="en-US" smtClean="0"/>
               <a:t>2024/3/10</a:t>
             </a:fld>
@@ -2915,7 +2915,7 @@
           <p:cNvPr id="5" name="页脚占位符 4">
             <a:extLst>
               <a:ext uri="{FF2B5EF4-FFF2-40B4-BE49-F238E27FC236}">
-                <a16:creationId xmlns:a16="http://schemas.microsoft.com/office/drawing/2014/main" id="{54B5F8B4-E73D-A696-6E52-82196D481A19}"/>
+                <a16:creationId xmlns:a16="http://schemas.microsoft.com/office/drawing/2014/main" id="{83F9AD40-DF61-31ED-6270-F8C1F1A99995}"/>
               </a:ext>
             </a:extLst>
           </p:cNvPr>
@@ -2958,7 +2958,7 @@
           <p:cNvPr id="6" name="灯片编号占位符 5">
             <a:extLst>
               <a:ext uri="{FF2B5EF4-FFF2-40B4-BE49-F238E27FC236}">
-                <a16:creationId xmlns:a16="http://schemas.microsoft.com/office/drawing/2014/main" id="{33E930E2-5863-8270-4447-3969164D608A}"/>
+                <a16:creationId xmlns:a16="http://schemas.microsoft.com/office/drawing/2014/main" id="{ECEBB7EC-9273-8E0D-D4D7-1F5FD95031A2}"/>
               </a:ext>
             </a:extLst>
           </p:cNvPr>
@@ -2992,7 +2992,7 @@
             </a:lvl1pPr>
           </a:lstStyle>
           <a:p>
-            <a:fld id="{FEC82E9C-933C-4FB4-83BA-44FE83487D23}" type="slidenum">
+            <a:fld id="{B94D0722-25E3-4D79-BF27-2B49EEA1FF0A}" type="slidenum">
               <a:rPr lang="zh-CN" altLang="en-US" smtClean="0"/>
               <a:t>‹#›</a:t>
             </a:fld>
@@ -3003,7 +3003,7 @@
     </p:spTree>
     <p:extLst>
       <p:ext uri="{BB962C8B-B14F-4D97-AF65-F5344CB8AC3E}">
-        <p14:creationId xmlns:p14="http://schemas.microsoft.com/office/powerpoint/2010/main" val="3176367126"/>
+        <p14:creationId xmlns:p14="http://schemas.microsoft.com/office/powerpoint/2010/main" val="3912905148"/>
       </p:ext>
     </p:extLst>
   </p:cSld>
@@ -3323,7 +3323,7 @@
       </p:grpSpPr>
       <p:pic>
         <p:nvPicPr>
-          <p:cNvPr id="1620994" name="Picture 2" descr="1582"/>
+          <p:cNvPr id="1622018" name="Picture 2" descr="1583"/>
           <p:cNvPicPr>
             <a:picLocks noChangeAspect="1" noChangeArrowheads="1"/>
           </p:cNvPicPr>
@@ -3344,8 +3344,8 @@
         </p:blipFill>
         <p:spPr bwMode="auto">
           <a:xfrm>
-            <a:off x="1614488" y="68264"/>
-            <a:ext cx="9053512" cy="6789737"/>
+            <a:off x="1524001" y="0"/>
+            <a:ext cx="9053513" cy="6789738"/>
           </a:xfrm>
           <a:prstGeom prst="rect">
             <a:avLst/>
